--- a/Background.pptx
+++ b/Background.pptx
@@ -104,6 +104,11 @@
       </a:defRPr>
     </a:lvl9pPr>
   </p:defaultTextStyle>
+  <p:extLst>
+    <p:ext uri="{EFAFB233-063F-42B5-8137-9DF3F51BA10A}">
+      <p15:sldGuideLst xmlns:p15="http://schemas.microsoft.com/office/powerpoint/2012/main"/>
+    </p:ext>
+  </p:extLst>
 </p:presentation>
 </file>
 
@@ -256,7 +261,7 @@
           <a:p>
             <a:fld id="{32B38C0C-B987-4FB9-9E9F-D472FD461322}" type="datetimeFigureOut">
               <a:rPr lang="en-IN" smtClean="0"/>
-              <a:t>15-01-2026</a:t>
+              <a:t>20-01-2026</a:t>
             </a:fld>
             <a:endParaRPr lang="en-IN"/>
           </a:p>
@@ -456,7 +461,7 @@
           <a:p>
             <a:fld id="{32B38C0C-B987-4FB9-9E9F-D472FD461322}" type="datetimeFigureOut">
               <a:rPr lang="en-IN" smtClean="0"/>
-              <a:t>15-01-2026</a:t>
+              <a:t>20-01-2026</a:t>
             </a:fld>
             <a:endParaRPr lang="en-IN"/>
           </a:p>
@@ -666,7 +671,7 @@
           <a:p>
             <a:fld id="{32B38C0C-B987-4FB9-9E9F-D472FD461322}" type="datetimeFigureOut">
               <a:rPr lang="en-IN" smtClean="0"/>
-              <a:t>15-01-2026</a:t>
+              <a:t>20-01-2026</a:t>
             </a:fld>
             <a:endParaRPr lang="en-IN"/>
           </a:p>
@@ -866,7 +871,7 @@
           <a:p>
             <a:fld id="{32B38C0C-B987-4FB9-9E9F-D472FD461322}" type="datetimeFigureOut">
               <a:rPr lang="en-IN" smtClean="0"/>
-              <a:t>15-01-2026</a:t>
+              <a:t>20-01-2026</a:t>
             </a:fld>
             <a:endParaRPr lang="en-IN"/>
           </a:p>
@@ -1142,7 +1147,7 @@
           <a:p>
             <a:fld id="{32B38C0C-B987-4FB9-9E9F-D472FD461322}" type="datetimeFigureOut">
               <a:rPr lang="en-IN" smtClean="0"/>
-              <a:t>15-01-2026</a:t>
+              <a:t>20-01-2026</a:t>
             </a:fld>
             <a:endParaRPr lang="en-IN"/>
           </a:p>
@@ -1410,7 +1415,7 @@
           <a:p>
             <a:fld id="{32B38C0C-B987-4FB9-9E9F-D472FD461322}" type="datetimeFigureOut">
               <a:rPr lang="en-IN" smtClean="0"/>
-              <a:t>15-01-2026</a:t>
+              <a:t>20-01-2026</a:t>
             </a:fld>
             <a:endParaRPr lang="en-IN"/>
           </a:p>
@@ -1825,7 +1830,7 @@
           <a:p>
             <a:fld id="{32B38C0C-B987-4FB9-9E9F-D472FD461322}" type="datetimeFigureOut">
               <a:rPr lang="en-IN" smtClean="0"/>
-              <a:t>15-01-2026</a:t>
+              <a:t>20-01-2026</a:t>
             </a:fld>
             <a:endParaRPr lang="en-IN"/>
           </a:p>
@@ -1967,7 +1972,7 @@
           <a:p>
             <a:fld id="{32B38C0C-B987-4FB9-9E9F-D472FD461322}" type="datetimeFigureOut">
               <a:rPr lang="en-IN" smtClean="0"/>
-              <a:t>15-01-2026</a:t>
+              <a:t>20-01-2026</a:t>
             </a:fld>
             <a:endParaRPr lang="en-IN"/>
           </a:p>
@@ -2080,7 +2085,7 @@
           <a:p>
             <a:fld id="{32B38C0C-B987-4FB9-9E9F-D472FD461322}" type="datetimeFigureOut">
               <a:rPr lang="en-IN" smtClean="0"/>
-              <a:t>15-01-2026</a:t>
+              <a:t>20-01-2026</a:t>
             </a:fld>
             <a:endParaRPr lang="en-IN"/>
           </a:p>
@@ -2393,7 +2398,7 @@
           <a:p>
             <a:fld id="{32B38C0C-B987-4FB9-9E9F-D472FD461322}" type="datetimeFigureOut">
               <a:rPr lang="en-IN" smtClean="0"/>
-              <a:t>15-01-2026</a:t>
+              <a:t>20-01-2026</a:t>
             </a:fld>
             <a:endParaRPr lang="en-IN"/>
           </a:p>
@@ -2682,7 +2687,7 @@
           <a:p>
             <a:fld id="{32B38C0C-B987-4FB9-9E9F-D472FD461322}" type="datetimeFigureOut">
               <a:rPr lang="en-IN" smtClean="0"/>
-              <a:t>15-01-2026</a:t>
+              <a:t>20-01-2026</a:t>
             </a:fld>
             <a:endParaRPr lang="en-IN"/>
           </a:p>
@@ -2925,7 +2930,7 @@
           <a:p>
             <a:fld id="{32B38C0C-B987-4FB9-9E9F-D472FD461322}" type="datetimeFigureOut">
               <a:rPr lang="en-IN" smtClean="0"/>
-              <a:t>15-01-2026</a:t>
+              <a:t>20-01-2026</a:t>
             </a:fld>
             <a:endParaRPr lang="en-IN"/>
           </a:p>
@@ -3362,7 +3367,7 @@
         </p:nvSpPr>
         <p:spPr>
           <a:xfrm>
-            <a:off x="857724" y="59341"/>
+            <a:off x="857723" y="65021"/>
             <a:ext cx="10476552" cy="6727958"/>
           </a:xfrm>
           <a:prstGeom prst="roundRect">
@@ -3371,7 +3376,7 @@
             </a:avLst>
           </a:prstGeom>
           <a:solidFill>
-            <a:srgbClr val="EBEBEB">
+            <a:srgbClr val="E0E0E0">
               <a:alpha val="64706"/>
             </a:srgbClr>
           </a:solidFill>
@@ -3418,8 +3423,8 @@
         </p:nvSpPr>
         <p:spPr>
           <a:xfrm>
-            <a:off x="1000998" y="778318"/>
-            <a:ext cx="1872000" cy="1188000"/>
+            <a:off x="1000998" y="861258"/>
+            <a:ext cx="1872000" cy="1105059"/>
           </a:xfrm>
           <a:prstGeom prst="roundRect">
             <a:avLst>
@@ -3472,8 +3477,8 @@
         </p:nvSpPr>
         <p:spPr>
           <a:xfrm>
-            <a:off x="3062569" y="778318"/>
-            <a:ext cx="1872000" cy="1188000"/>
+            <a:off x="3062569" y="861258"/>
+            <a:ext cx="1872000" cy="1105059"/>
           </a:xfrm>
           <a:prstGeom prst="roundRect">
             <a:avLst>
@@ -3527,7 +3532,7 @@
         <p:spPr>
           <a:xfrm>
             <a:off x="1000997" y="2113962"/>
-            <a:ext cx="5004000" cy="2307210"/>
+            <a:ext cx="5004000" cy="2524026"/>
           </a:xfrm>
           <a:prstGeom prst="roundRect">
             <a:avLst>
@@ -3535,7 +3540,7 @@
             </a:avLst>
           </a:prstGeom>
           <a:solidFill>
-            <a:srgbClr val="E3E3E3"/>
+            <a:srgbClr val="F3F3F3"/>
           </a:solidFill>
           <a:ln>
             <a:noFill/>
@@ -3581,7 +3586,7 @@
         <p:spPr>
           <a:xfrm>
             <a:off x="6187005" y="2109882"/>
-            <a:ext cx="4987022" cy="2307210"/>
+            <a:ext cx="4987022" cy="2524026"/>
           </a:xfrm>
           <a:prstGeom prst="roundRect">
             <a:avLst>
@@ -3589,7 +3594,7 @@
             </a:avLst>
           </a:prstGeom>
           <a:solidFill>
-            <a:srgbClr val="E3E3E3"/>
+            <a:srgbClr val="F3F3F3"/>
           </a:solidFill>
           <a:ln>
             <a:noFill/>
@@ -3634,8 +3639,8 @@
         </p:nvSpPr>
         <p:spPr>
           <a:xfrm>
-            <a:off x="5124140" y="778318"/>
-            <a:ext cx="1872000" cy="1188000"/>
+            <a:off x="5124140" y="861258"/>
+            <a:ext cx="1872000" cy="1105059"/>
           </a:xfrm>
           <a:prstGeom prst="roundRect">
             <a:avLst>
@@ -3688,8 +3693,8 @@
         </p:nvSpPr>
         <p:spPr>
           <a:xfrm>
-            <a:off x="7181787" y="799334"/>
-            <a:ext cx="1872000" cy="1188000"/>
+            <a:off x="7181787" y="882274"/>
+            <a:ext cx="1872000" cy="1105059"/>
           </a:xfrm>
           <a:prstGeom prst="roundRect">
             <a:avLst>
@@ -3742,8 +3747,8 @@
         </p:nvSpPr>
         <p:spPr>
           <a:xfrm>
-            <a:off x="9247280" y="799334"/>
-            <a:ext cx="1872000" cy="1188000"/>
+            <a:off x="9247280" y="882274"/>
+            <a:ext cx="1872000" cy="1105059"/>
           </a:xfrm>
           <a:prstGeom prst="roundRect">
             <a:avLst>
@@ -3796,8 +3801,8 @@
         </p:nvSpPr>
         <p:spPr>
           <a:xfrm>
-            <a:off x="1000996" y="4543720"/>
-            <a:ext cx="10190007" cy="2121031"/>
+            <a:off x="1000997" y="4756457"/>
+            <a:ext cx="10173030" cy="1904215"/>
           </a:xfrm>
           <a:prstGeom prst="roundRect">
             <a:avLst>
@@ -3805,7 +3810,7 @@
             </a:avLst>
           </a:prstGeom>
           <a:solidFill>
-            <a:srgbClr val="E3E3E3"/>
+            <a:srgbClr val="F3F3F3"/>
           </a:solidFill>
           <a:ln>
             <a:noFill/>
@@ -3850,8 +3855,8 @@
         </p:nvSpPr>
         <p:spPr>
           <a:xfrm>
-            <a:off x="1093509" y="232323"/>
-            <a:ext cx="5002491" cy="400110"/>
+            <a:off x="903102" y="249980"/>
+            <a:ext cx="5865343" cy="461665"/>
           </a:xfrm>
           <a:prstGeom prst="rect">
             <a:avLst/>
@@ -3865,7 +3870,7 @@
           <a:lstStyle/>
           <a:p>
             <a:r>
-              <a:rPr lang="en-IN" sz="2000">
+              <a:rPr lang="en-IN" sz="2400">
                 <a:ea typeface="Cambria" panose="02040503050406030204" pitchFamily="18" charset="0"/>
               </a:rPr>
               <a:t>Executive Marketing Performance Overview </a:t>
@@ -3887,8 +3892,8 @@
         </p:nvSpPr>
         <p:spPr>
           <a:xfrm>
-            <a:off x="1093509" y="861259"/>
-            <a:ext cx="997486" cy="338554"/>
+            <a:off x="1072720" y="928305"/>
+            <a:ext cx="997486" cy="324000"/>
           </a:xfrm>
           <a:prstGeom prst="rect">
             <a:avLst/>
@@ -3924,8 +3929,8 @@
         </p:nvSpPr>
         <p:spPr>
           <a:xfrm>
-            <a:off x="3096011" y="861259"/>
-            <a:ext cx="1673952" cy="338554"/>
+            <a:off x="3075222" y="928305"/>
+            <a:ext cx="1673952" cy="324000"/>
           </a:xfrm>
           <a:prstGeom prst="rect">
             <a:avLst/>
@@ -3961,8 +3966,8 @@
         </p:nvSpPr>
         <p:spPr>
           <a:xfrm>
-            <a:off x="5168017" y="861259"/>
-            <a:ext cx="927982" cy="338554"/>
+            <a:off x="5147228" y="928305"/>
+            <a:ext cx="927982" cy="324000"/>
           </a:xfrm>
           <a:prstGeom prst="rect">
             <a:avLst/>
@@ -3998,8 +4003,8 @@
         </p:nvSpPr>
         <p:spPr>
           <a:xfrm>
-            <a:off x="7265048" y="861259"/>
-            <a:ext cx="851430" cy="338554"/>
+            <a:off x="7244259" y="928305"/>
+            <a:ext cx="851430" cy="324000"/>
           </a:xfrm>
           <a:prstGeom prst="rect">
             <a:avLst/>
@@ -4035,8 +4040,8 @@
         </p:nvSpPr>
         <p:spPr>
           <a:xfrm>
-            <a:off x="9338924" y="861259"/>
-            <a:ext cx="1688712" cy="338554"/>
+            <a:off x="9318135" y="928305"/>
+            <a:ext cx="1688712" cy="324000"/>
           </a:xfrm>
           <a:prstGeom prst="rect">
             <a:avLst/>

--- a/Background.pptx
+++ b/Background.pptx
@@ -3802,7 +3802,7 @@
         <p:spPr>
           <a:xfrm>
             <a:off x="1000997" y="4756457"/>
-            <a:ext cx="10173030" cy="1904215"/>
+            <a:ext cx="10173030" cy="1944000"/>
           </a:xfrm>
           <a:prstGeom prst="roundRect">
             <a:avLst>
@@ -4134,6 +4134,168 @@
               </a:rPr>
               <a:t>Channel Performance </a:t>
             </a:r>
+          </a:p>
+        </p:txBody>
+      </p:sp>
+      <p:sp>
+        <p:nvSpPr>
+          <p:cNvPr id="3" name="Rectangle: Rounded Corners 2">
+            <a:extLst>
+              <a:ext uri="{FF2B5EF4-FFF2-40B4-BE49-F238E27FC236}">
+                <a16:creationId xmlns:a16="http://schemas.microsoft.com/office/drawing/2014/main" id="{1BED0231-1D11-9197-3CDC-FE6CC66395DC}"/>
+              </a:ext>
+            </a:extLst>
+          </p:cNvPr>
+          <p:cNvSpPr/>
+          <p:nvPr/>
+        </p:nvSpPr>
+        <p:spPr>
+          <a:xfrm>
+            <a:off x="1145999" y="5334884"/>
+            <a:ext cx="9900000" cy="268806"/>
+          </a:xfrm>
+          <a:prstGeom prst="roundRect">
+            <a:avLst>
+              <a:gd name="adj" fmla="val 6993"/>
+            </a:avLst>
+          </a:prstGeom>
+          <a:solidFill>
+            <a:srgbClr val="FBFBFB"/>
+          </a:solidFill>
+          <a:ln>
+            <a:noFill/>
+          </a:ln>
+        </p:spPr>
+        <p:style>
+          <a:lnRef idx="2">
+            <a:schemeClr val="accent1">
+              <a:shade val="15000"/>
+            </a:schemeClr>
+          </a:lnRef>
+          <a:fillRef idx="1">
+            <a:schemeClr val="accent1"/>
+          </a:fillRef>
+          <a:effectRef idx="0">
+            <a:schemeClr val="accent1"/>
+          </a:effectRef>
+          <a:fontRef idx="minor">
+            <a:schemeClr val="lt1"/>
+          </a:fontRef>
+        </p:style>
+        <p:txBody>
+          <a:bodyPr rtlCol="0" anchor="ctr"/>
+          <a:lstStyle/>
+          <a:p>
+            <a:pPr algn="ctr"/>
+            <a:endParaRPr lang="en-IN"/>
+          </a:p>
+        </p:txBody>
+      </p:sp>
+      <p:sp>
+        <p:nvSpPr>
+          <p:cNvPr id="5" name="Rectangle: Rounded Corners 4">
+            <a:extLst>
+              <a:ext uri="{FF2B5EF4-FFF2-40B4-BE49-F238E27FC236}">
+                <a16:creationId xmlns:a16="http://schemas.microsoft.com/office/drawing/2014/main" id="{4760F194-B7BE-1559-2F97-CA540FCEA492}"/>
+              </a:ext>
+            </a:extLst>
+          </p:cNvPr>
+          <p:cNvSpPr/>
+          <p:nvPr/>
+        </p:nvSpPr>
+        <p:spPr>
+          <a:xfrm>
+            <a:off x="1137512" y="5848321"/>
+            <a:ext cx="9900000" cy="268806"/>
+          </a:xfrm>
+          <a:prstGeom prst="roundRect">
+            <a:avLst>
+              <a:gd name="adj" fmla="val 6993"/>
+            </a:avLst>
+          </a:prstGeom>
+          <a:solidFill>
+            <a:srgbClr val="FBFBFB"/>
+          </a:solidFill>
+          <a:ln>
+            <a:noFill/>
+          </a:ln>
+        </p:spPr>
+        <p:style>
+          <a:lnRef idx="2">
+            <a:schemeClr val="accent1">
+              <a:shade val="15000"/>
+            </a:schemeClr>
+          </a:lnRef>
+          <a:fillRef idx="1">
+            <a:schemeClr val="accent1"/>
+          </a:fillRef>
+          <a:effectRef idx="0">
+            <a:schemeClr val="accent1"/>
+          </a:effectRef>
+          <a:fontRef idx="minor">
+            <a:schemeClr val="lt1"/>
+          </a:fontRef>
+        </p:style>
+        <p:txBody>
+          <a:bodyPr rtlCol="0" anchor="ctr"/>
+          <a:lstStyle/>
+          <a:p>
+            <a:pPr algn="ctr"/>
+            <a:endParaRPr lang="en-IN"/>
+          </a:p>
+        </p:txBody>
+      </p:sp>
+      <p:sp>
+        <p:nvSpPr>
+          <p:cNvPr id="6" name="Rectangle: Rounded Corners 5">
+            <a:extLst>
+              <a:ext uri="{FF2B5EF4-FFF2-40B4-BE49-F238E27FC236}">
+                <a16:creationId xmlns:a16="http://schemas.microsoft.com/office/drawing/2014/main" id="{D2B19519-AF9B-6109-5769-22BF372C7FE4}"/>
+              </a:ext>
+            </a:extLst>
+          </p:cNvPr>
+          <p:cNvSpPr/>
+          <p:nvPr/>
+        </p:nvSpPr>
+        <p:spPr>
+          <a:xfrm>
+            <a:off x="1137512" y="6361758"/>
+            <a:ext cx="9900000" cy="270000"/>
+          </a:xfrm>
+          <a:prstGeom prst="roundRect">
+            <a:avLst>
+              <a:gd name="adj" fmla="val 6993"/>
+            </a:avLst>
+          </a:prstGeom>
+          <a:solidFill>
+            <a:srgbClr val="FBFBFB"/>
+          </a:solidFill>
+          <a:ln>
+            <a:noFill/>
+          </a:ln>
+        </p:spPr>
+        <p:style>
+          <a:lnRef idx="2">
+            <a:schemeClr val="accent1">
+              <a:shade val="15000"/>
+            </a:schemeClr>
+          </a:lnRef>
+          <a:fillRef idx="1">
+            <a:schemeClr val="accent1"/>
+          </a:fillRef>
+          <a:effectRef idx="0">
+            <a:schemeClr val="accent1"/>
+          </a:effectRef>
+          <a:fontRef idx="minor">
+            <a:schemeClr val="lt1"/>
+          </a:fontRef>
+        </p:style>
+        <p:txBody>
+          <a:bodyPr rtlCol="0" anchor="ctr"/>
+          <a:lstStyle/>
+          <a:p>
+            <a:pPr algn="ctr"/>
+            <a:endParaRPr lang="en-IN"/>
           </a:p>
         </p:txBody>
       </p:sp>
